--- a/info_Modbus_PMM.pptx
+++ b/info_Modbus_PMM.pptx
@@ -108,7 +108,150 @@
       </a:defRPr>
     </a:lvl9pPr>
   </p:defaultTextStyle>
+  <p:extLst>
+    <p:ext uri="{EFAFB233-063F-42B5-8137-9DF3F51BA10A}">
+      <p15:sldGuideLst xmlns:p15="http://schemas.microsoft.com/office/powerpoint/2012/main"/>
+    </p:ext>
+  </p:extLst>
 </p:presentation>
+</file>
+
+<file path=ppt/revisionInfo.xml><?xml version="1.0" encoding="utf-8"?>
+<p1510:revInfo xmlns:a="http://schemas.openxmlformats.org/drawingml/2006/main" xmlns:r="http://schemas.openxmlformats.org/officeDocument/2006/relationships" xmlns:p1510="http://schemas.microsoft.com/office/powerpoint/2015/10/main">
+  <p1510:revLst>
+    <p1510:client id="{F2995A3D-6799-4A9D-A4F7-119C21836C20}" v="1" dt="2022-08-31T22:05:45.415"/>
+  </p1510:revLst>
+</p1510:revInfo>
+</file>
+
+<file path=ppt/changesInfos/changesInfo1.xml><?xml version="1.0" encoding="utf-8"?>
+<pc:chgInfo xmlns:a="http://schemas.openxmlformats.org/drawingml/2006/main" xmlns:r="http://schemas.openxmlformats.org/officeDocument/2006/relationships" xmlns:ac="http://schemas.microsoft.com/office/drawing/2013/main/command" xmlns:pc="http://schemas.microsoft.com/office/powerpoint/2013/main/command">
+  <pc:docChgLst>
+    <pc:chgData name="Psaltis, Michael" userId="a7c779a9-faba-48d0-b289-7f4a957e1d72" providerId="ADAL" clId="{F2995A3D-6799-4A9D-A4F7-119C21836C20}"/>
+    <pc:docChg chg="undo custSel modSld">
+      <pc:chgData name="Psaltis, Michael" userId="a7c779a9-faba-48d0-b289-7f4a957e1d72" providerId="ADAL" clId="{F2995A3D-6799-4A9D-A4F7-119C21836C20}" dt="2022-08-31T22:08:35.041" v="151" actId="732"/>
+      <pc:docMkLst>
+        <pc:docMk/>
+      </pc:docMkLst>
+      <pc:sldChg chg="modSp mod">
+        <pc:chgData name="Psaltis, Michael" userId="a7c779a9-faba-48d0-b289-7f4a957e1d72" providerId="ADAL" clId="{F2995A3D-6799-4A9D-A4F7-119C21836C20}" dt="2022-08-31T22:08:35.041" v="151" actId="732"/>
+        <pc:sldMkLst>
+          <pc:docMk/>
+          <pc:sldMk cId="3997412391" sldId="257"/>
+        </pc:sldMkLst>
+        <pc:picChg chg="mod modCrop">
+          <ac:chgData name="Psaltis, Michael" userId="a7c779a9-faba-48d0-b289-7f4a957e1d72" providerId="ADAL" clId="{F2995A3D-6799-4A9D-A4F7-119C21836C20}" dt="2022-08-31T22:08:35.041" v="151" actId="732"/>
+          <ac:picMkLst>
+            <pc:docMk/>
+            <pc:sldMk cId="3997412391" sldId="257"/>
+            <ac:picMk id="5" creationId="{4BDBA39A-5E90-43B4-8155-C7E49EC5EDF0}"/>
+          </ac:picMkLst>
+        </pc:picChg>
+      </pc:sldChg>
+      <pc:sldChg chg="addSp delSp modSp mod">
+        <pc:chgData name="Psaltis, Michael" userId="a7c779a9-faba-48d0-b289-7f4a957e1d72" providerId="ADAL" clId="{F2995A3D-6799-4A9D-A4F7-119C21836C20}" dt="2022-08-31T22:05:54.266" v="111" actId="1076"/>
+        <pc:sldMkLst>
+          <pc:docMk/>
+          <pc:sldMk cId="4191662770" sldId="259"/>
+        </pc:sldMkLst>
+        <pc:spChg chg="add mod">
+          <ac:chgData name="Psaltis, Michael" userId="a7c779a9-faba-48d0-b289-7f4a957e1d72" providerId="ADAL" clId="{F2995A3D-6799-4A9D-A4F7-119C21836C20}" dt="2022-08-31T22:05:45.415" v="109"/>
+          <ac:spMkLst>
+            <pc:docMk/>
+            <pc:sldMk cId="4191662770" sldId="259"/>
+            <ac:spMk id="7" creationId="{83351330-05D0-4670-BF61-97CB8727406F}"/>
+          </ac:spMkLst>
+        </pc:spChg>
+        <pc:spChg chg="del mod">
+          <ac:chgData name="Psaltis, Michael" userId="a7c779a9-faba-48d0-b289-7f4a957e1d72" providerId="ADAL" clId="{F2995A3D-6799-4A9D-A4F7-119C21836C20}" dt="2022-08-31T22:05:45.041" v="108" actId="478"/>
+          <ac:spMkLst>
+            <pc:docMk/>
+            <pc:sldMk cId="4191662770" sldId="259"/>
+            <ac:spMk id="17" creationId="{2A3B42FA-2082-40B9-87F1-737E13B3380D}"/>
+          </ac:spMkLst>
+        </pc:spChg>
+        <pc:picChg chg="mod">
+          <ac:chgData name="Psaltis, Michael" userId="a7c779a9-faba-48d0-b289-7f4a957e1d72" providerId="ADAL" clId="{F2995A3D-6799-4A9D-A4F7-119C21836C20}" dt="2022-08-31T22:05:49.756" v="110" actId="1076"/>
+          <ac:picMkLst>
+            <pc:docMk/>
+            <pc:sldMk cId="4191662770" sldId="259"/>
+            <ac:picMk id="8" creationId="{9881343A-8084-444A-BEF9-794725DB31CC}"/>
+          </ac:picMkLst>
+        </pc:picChg>
+        <pc:picChg chg="mod">
+          <ac:chgData name="Psaltis, Michael" userId="a7c779a9-faba-48d0-b289-7f4a957e1d72" providerId="ADAL" clId="{F2995A3D-6799-4A9D-A4F7-119C21836C20}" dt="2022-08-31T22:05:54.266" v="111" actId="1076"/>
+          <ac:picMkLst>
+            <pc:docMk/>
+            <pc:sldMk cId="4191662770" sldId="259"/>
+            <ac:picMk id="11" creationId="{912F7D39-2896-4DEB-BEB2-7CE039453441}"/>
+          </ac:picMkLst>
+        </pc:picChg>
+      </pc:sldChg>
+      <pc:sldChg chg="addSp delSp modSp mod">
+        <pc:chgData name="Psaltis, Michael" userId="a7c779a9-faba-48d0-b289-7f4a957e1d72" providerId="ADAL" clId="{F2995A3D-6799-4A9D-A4F7-119C21836C20}" dt="2022-08-31T22:08:09.705" v="150" actId="1076"/>
+        <pc:sldMkLst>
+          <pc:docMk/>
+          <pc:sldMk cId="2700275370" sldId="260"/>
+        </pc:sldMkLst>
+        <pc:spChg chg="add del mod">
+          <ac:chgData name="Psaltis, Michael" userId="a7c779a9-faba-48d0-b289-7f4a957e1d72" providerId="ADAL" clId="{F2995A3D-6799-4A9D-A4F7-119C21836C20}" dt="2022-08-31T22:06:56.393" v="116" actId="478"/>
+          <ac:spMkLst>
+            <pc:docMk/>
+            <pc:sldMk cId="2700275370" sldId="260"/>
+            <ac:spMk id="2" creationId="{C624F3F7-26BB-47E9-8141-E745BBCD8E89}"/>
+          </ac:spMkLst>
+        </pc:spChg>
+        <pc:spChg chg="mod">
+          <ac:chgData name="Psaltis, Michael" userId="a7c779a9-faba-48d0-b289-7f4a957e1d72" providerId="ADAL" clId="{F2995A3D-6799-4A9D-A4F7-119C21836C20}" dt="2022-08-31T22:08:01.470" v="147" actId="1076"/>
+          <ac:spMkLst>
+            <pc:docMk/>
+            <pc:sldMk cId="2700275370" sldId="260"/>
+            <ac:spMk id="19" creationId="{11D1FD3A-CC93-44EE-9E66-EB96BBA999E8}"/>
+          </ac:spMkLst>
+        </pc:spChg>
+        <pc:spChg chg="mod">
+          <ac:chgData name="Psaltis, Michael" userId="a7c779a9-faba-48d0-b289-7f4a957e1d72" providerId="ADAL" clId="{F2995A3D-6799-4A9D-A4F7-119C21836C20}" dt="2022-08-31T22:08:09.705" v="150" actId="1076"/>
+          <ac:spMkLst>
+            <pc:docMk/>
+            <pc:sldMk cId="2700275370" sldId="260"/>
+            <ac:spMk id="20" creationId="{FB85C1DD-1037-447A-B676-7C7BEAEB02DE}"/>
+          </ac:spMkLst>
+        </pc:spChg>
+        <pc:picChg chg="mod">
+          <ac:chgData name="Psaltis, Michael" userId="a7c779a9-faba-48d0-b289-7f4a957e1d72" providerId="ADAL" clId="{F2995A3D-6799-4A9D-A4F7-119C21836C20}" dt="2022-08-31T22:08:06.757" v="149" actId="1076"/>
+          <ac:picMkLst>
+            <pc:docMk/>
+            <pc:sldMk cId="2700275370" sldId="260"/>
+            <ac:picMk id="22" creationId="{2B47D300-A728-4543-9E74-BD35DE2514AF}"/>
+          </ac:picMkLst>
+        </pc:picChg>
+      </pc:sldChg>
+      <pc:sldChg chg="addSp delSp modSp mod">
+        <pc:chgData name="Psaltis, Michael" userId="a7c779a9-faba-48d0-b289-7f4a957e1d72" providerId="ADAL" clId="{F2995A3D-6799-4A9D-A4F7-119C21836C20}" dt="2022-08-31T22:05:58.630" v="113" actId="1076"/>
+        <pc:sldMkLst>
+          <pc:docMk/>
+          <pc:sldMk cId="4182421363" sldId="261"/>
+        </pc:sldMkLst>
+        <pc:spChg chg="mod">
+          <ac:chgData name="Psaltis, Michael" userId="a7c779a9-faba-48d0-b289-7f4a957e1d72" providerId="ADAL" clId="{F2995A3D-6799-4A9D-A4F7-119C21836C20}" dt="2022-08-31T22:05:31.705" v="106" actId="20577"/>
+          <ac:spMkLst>
+            <pc:docMk/>
+            <pc:sldMk cId="4182421363" sldId="261"/>
+            <ac:spMk id="14" creationId="{022E0245-C3DC-4AC9-ABB9-0D3A534CD30A}"/>
+          </ac:spMkLst>
+        </pc:spChg>
+        <pc:picChg chg="add del mod">
+          <ac:chgData name="Psaltis, Michael" userId="a7c779a9-faba-48d0-b289-7f4a957e1d72" providerId="ADAL" clId="{F2995A3D-6799-4A9D-A4F7-119C21836C20}" dt="2022-08-31T22:05:58.630" v="113" actId="1076"/>
+          <ac:picMkLst>
+            <pc:docMk/>
+            <pc:sldMk cId="4182421363" sldId="261"/>
+            <ac:picMk id="3" creationId="{F28FCF14-1EFD-4D41-9640-E2C61282CA99}"/>
+          </ac:picMkLst>
+        </pc:picChg>
+      </pc:sldChg>
+    </pc:docChg>
+  </pc:docChgLst>
+</pc:chgInfo>
 </file>
 
 <file path=ppt/slideLayouts/slideLayout1.xml><?xml version="1.0" encoding="utf-8"?>
@@ -258,7 +401,7 @@
           <a:p>
             <a:fld id="{7DF11759-8440-4132-AB0B-BC24EFD895F6}" type="datetimeFigureOut">
               <a:rPr lang="en-US" smtClean="0"/>
-              <a:t>8/29/2022</a:t>
+              <a:t>8/31/2022</a:t>
             </a:fld>
             <a:endParaRPr lang="en-US"/>
           </a:p>
@@ -456,7 +599,7 @@
           <a:p>
             <a:fld id="{7DF11759-8440-4132-AB0B-BC24EFD895F6}" type="datetimeFigureOut">
               <a:rPr lang="en-US" smtClean="0"/>
-              <a:t>8/29/2022</a:t>
+              <a:t>8/31/2022</a:t>
             </a:fld>
             <a:endParaRPr lang="en-US"/>
           </a:p>
@@ -664,7 +807,7 @@
           <a:p>
             <a:fld id="{7DF11759-8440-4132-AB0B-BC24EFD895F6}" type="datetimeFigureOut">
               <a:rPr lang="en-US" smtClean="0"/>
-              <a:t>8/29/2022</a:t>
+              <a:t>8/31/2022</a:t>
             </a:fld>
             <a:endParaRPr lang="en-US"/>
           </a:p>
@@ -862,7 +1005,7 @@
           <a:p>
             <a:fld id="{7DF11759-8440-4132-AB0B-BC24EFD895F6}" type="datetimeFigureOut">
               <a:rPr lang="en-US" smtClean="0"/>
-              <a:t>8/29/2022</a:t>
+              <a:t>8/31/2022</a:t>
             </a:fld>
             <a:endParaRPr lang="en-US"/>
           </a:p>
@@ -1137,7 +1280,7 @@
           <a:p>
             <a:fld id="{7DF11759-8440-4132-AB0B-BC24EFD895F6}" type="datetimeFigureOut">
               <a:rPr lang="en-US" smtClean="0"/>
-              <a:t>8/29/2022</a:t>
+              <a:t>8/31/2022</a:t>
             </a:fld>
             <a:endParaRPr lang="en-US"/>
           </a:p>
@@ -1402,7 +1545,7 @@
           <a:p>
             <a:fld id="{7DF11759-8440-4132-AB0B-BC24EFD895F6}" type="datetimeFigureOut">
               <a:rPr lang="en-US" smtClean="0"/>
-              <a:t>8/29/2022</a:t>
+              <a:t>8/31/2022</a:t>
             </a:fld>
             <a:endParaRPr lang="en-US"/>
           </a:p>
@@ -1814,7 +1957,7 @@
           <a:p>
             <a:fld id="{7DF11759-8440-4132-AB0B-BC24EFD895F6}" type="datetimeFigureOut">
               <a:rPr lang="en-US" smtClean="0"/>
-              <a:t>8/29/2022</a:t>
+              <a:t>8/31/2022</a:t>
             </a:fld>
             <a:endParaRPr lang="en-US"/>
           </a:p>
@@ -1955,7 +2098,7 @@
           <a:p>
             <a:fld id="{7DF11759-8440-4132-AB0B-BC24EFD895F6}" type="datetimeFigureOut">
               <a:rPr lang="en-US" smtClean="0"/>
-              <a:t>8/29/2022</a:t>
+              <a:t>8/31/2022</a:t>
             </a:fld>
             <a:endParaRPr lang="en-US"/>
           </a:p>
@@ -2068,7 +2211,7 @@
           <a:p>
             <a:fld id="{7DF11759-8440-4132-AB0B-BC24EFD895F6}" type="datetimeFigureOut">
               <a:rPr lang="en-US" smtClean="0"/>
-              <a:t>8/29/2022</a:t>
+              <a:t>8/31/2022</a:t>
             </a:fld>
             <a:endParaRPr lang="en-US"/>
           </a:p>
@@ -2379,7 +2522,7 @@
           <a:p>
             <a:fld id="{7DF11759-8440-4132-AB0B-BC24EFD895F6}" type="datetimeFigureOut">
               <a:rPr lang="en-US" smtClean="0"/>
-              <a:t>8/29/2022</a:t>
+              <a:t>8/31/2022</a:t>
             </a:fld>
             <a:endParaRPr lang="en-US"/>
           </a:p>
@@ -2667,7 +2810,7 @@
           <a:p>
             <a:fld id="{7DF11759-8440-4132-AB0B-BC24EFD895F6}" type="datetimeFigureOut">
               <a:rPr lang="en-US" smtClean="0"/>
-              <a:t>8/29/2022</a:t>
+              <a:t>8/31/2022</a:t>
             </a:fld>
             <a:endParaRPr lang="en-US"/>
           </a:p>
@@ -2908,7 +3051,7 @@
           <a:p>
             <a:fld id="{7DF11759-8440-4132-AB0B-BC24EFD895F6}" type="datetimeFigureOut">
               <a:rPr lang="en-US" smtClean="0"/>
-              <a:t>8/29/2022</a:t>
+              <a:t>8/31/2022</a:t>
             </a:fld>
             <a:endParaRPr lang="en-US"/>
           </a:p>
@@ -3387,16 +3530,15 @@
           </p:cNvPicPr>
           <p:nvPr/>
         </p:nvPicPr>
-        <p:blipFill>
+        <p:blipFill rotWithShape="1">
           <a:blip r:embed="rId2"/>
-          <a:stretch>
-            <a:fillRect/>
-          </a:stretch>
+          <a:srcRect b="25597"/>
+          <a:stretch/>
         </p:blipFill>
         <p:spPr>
           <a:xfrm>
             <a:off x="704207" y="1352782"/>
-            <a:ext cx="10783586" cy="3144574"/>
+            <a:ext cx="10783586" cy="2339652"/>
           </a:xfrm>
           <a:prstGeom prst="rect">
             <a:avLst/>
@@ -4016,16 +4158,16 @@
         </p:nvSpPr>
         <p:spPr>
           <a:xfrm>
-            <a:off x="5029758" y="1519646"/>
-            <a:ext cx="4457398" cy="4834501"/>
+            <a:off x="3984729" y="1179377"/>
+            <a:ext cx="5603408" cy="4834501"/>
           </a:xfrm>
           <a:prstGeom prst="rect">
             <a:avLst/>
           </a:prstGeom>
         </p:spPr>
         <p:txBody>
-          <a:bodyPr vert="horz" lIns="91440" tIns="45720" rIns="91440" bIns="45720" rtlCol="0" anchor="ctr">
-            <a:normAutofit/>
+          <a:bodyPr vert="horz" lIns="91440" tIns="45720" rIns="91440" bIns="45720" rtlCol="0" anchor="t">
+            <a:normAutofit lnSpcReduction="10000"/>
           </a:bodyPr>
           <a:lstStyle>
             <a:lvl1pPr algn="l" defTabSz="914400" rtl="0" eaLnBrk="1" latinLnBrk="0" hangingPunct="1">
@@ -4177,17 +4319,27 @@
             </a:pPr>
             <a:r>
               <a:rPr lang="en-US" sz="1600" dirty="0"/>
-              <a:t>00011111 00011111</a:t>
-            </a:r>
-          </a:p>
-          <a:p>
-            <a:pPr marL="342900" indent="-342900">
-              <a:buFontTx/>
-              <a:buChar char="-"/>
-            </a:pPr>
-            <a:r>
-              <a:rPr lang="en-US" sz="1600" dirty="0"/>
-              <a:t>31 31</a:t>
+              <a:t>(31 – RMS Volts L1-L2) (31 – RMS Volts L1-L2)</a:t>
+            </a:r>
+          </a:p>
+          <a:p>
+            <a:pPr marL="342900" indent="-342900">
+              <a:buFontTx/>
+              <a:buChar char="-"/>
+            </a:pPr>
+            <a:r>
+              <a:rPr lang="en-US" sz="1600" dirty="0"/>
+              <a:t>(00011111) (00011111)</a:t>
+            </a:r>
+          </a:p>
+          <a:p>
+            <a:pPr marL="342900" indent="-342900">
+              <a:buFontTx/>
+              <a:buChar char="-"/>
+            </a:pPr>
+            <a:r>
+              <a:rPr lang="en-US" sz="1600" dirty="0"/>
+              <a:t>2560</a:t>
             </a:r>
           </a:p>
           <a:p>
@@ -4224,7 +4376,17 @@
             </a:pPr>
             <a:r>
               <a:rPr lang="en-US" sz="1600" dirty="0"/>
-              <a:t>00011111 00011111</a:t>
+              <a:t>(31 – RMS Volts L1-L2) (31 – RMS Volts L1-L2)</a:t>
+            </a:r>
+          </a:p>
+          <a:p>
+            <a:pPr marL="342900" indent="-342900">
+              <a:buFontTx/>
+              <a:buChar char="-"/>
+            </a:pPr>
+            <a:r>
+              <a:rPr lang="en-US" sz="1600" dirty="0"/>
+              <a:t>(00011111) (00011111)</a:t>
             </a:r>
           </a:p>
           <a:p>
@@ -4282,7 +4444,7 @@
         </p:blipFill>
         <p:spPr>
           <a:xfrm>
-            <a:off x="7746761" y="2198021"/>
+            <a:off x="7489005" y="1258389"/>
             <a:ext cx="4147133" cy="1823472"/>
           </a:xfrm>
           <a:prstGeom prst="rect">
@@ -4453,7 +4615,7 @@
         </p:blipFill>
         <p:spPr>
           <a:xfrm>
-            <a:off x="439593" y="1458013"/>
+            <a:off x="313479" y="1458013"/>
             <a:ext cx="3666675" cy="3360646"/>
           </a:xfrm>
           <a:prstGeom prst="rect">
@@ -4483,7 +4645,7 @@
         </p:blipFill>
         <p:spPr>
           <a:xfrm>
-            <a:off x="765865" y="5209135"/>
+            <a:off x="8681956" y="2608542"/>
             <a:ext cx="2761905" cy="780952"/>
           </a:xfrm>
           <a:prstGeom prst="rect">
@@ -4493,10 +4655,10 @@
       </p:pic>
       <p:sp>
         <p:nvSpPr>
-          <p:cNvPr id="17" name="Title 1">
-            <a:extLst>
-              <a:ext uri="{FF2B5EF4-FFF2-40B4-BE49-F238E27FC236}">
-                <a16:creationId xmlns:a16="http://schemas.microsoft.com/office/drawing/2014/main" id="{2A3B42FA-2082-40B9-87F1-737E13B3380D}"/>
+          <p:cNvPr id="7" name="Title 1">
+            <a:extLst>
+              <a:ext uri="{FF2B5EF4-FFF2-40B4-BE49-F238E27FC236}">
+                <a16:creationId xmlns:a16="http://schemas.microsoft.com/office/drawing/2014/main" id="{83351330-05D0-4670-BF61-97CB8727406F}"/>
               </a:ext>
             </a:extLst>
           </p:cNvPr>
@@ -4507,16 +4669,16 @@
         </p:nvSpPr>
         <p:spPr>
           <a:xfrm>
-            <a:off x="5029758" y="1519646"/>
-            <a:ext cx="4457398" cy="4834501"/>
+            <a:off x="3984729" y="1179377"/>
+            <a:ext cx="5603408" cy="4834501"/>
           </a:xfrm>
           <a:prstGeom prst="rect">
             <a:avLst/>
           </a:prstGeom>
         </p:spPr>
         <p:txBody>
-          <a:bodyPr vert="horz" lIns="91440" tIns="45720" rIns="91440" bIns="45720" rtlCol="0" anchor="ctr">
-            <a:normAutofit/>
+          <a:bodyPr vert="horz" lIns="91440" tIns="45720" rIns="91440" bIns="45720" rtlCol="0" anchor="t">
+            <a:normAutofit lnSpcReduction="10000"/>
           </a:bodyPr>
           <a:lstStyle>
             <a:lvl1pPr algn="l" defTabSz="914400" rtl="0" eaLnBrk="1" latinLnBrk="0" hangingPunct="1">
@@ -4668,17 +4830,27 @@
             </a:pPr>
             <a:r>
               <a:rPr lang="en-US" sz="1600" dirty="0"/>
-              <a:t>00011111 00011111</a:t>
-            </a:r>
-          </a:p>
-          <a:p>
-            <a:pPr marL="342900" indent="-342900">
-              <a:buFontTx/>
-              <a:buChar char="-"/>
-            </a:pPr>
-            <a:r>
-              <a:rPr lang="en-US" sz="1600" dirty="0"/>
-              <a:t>31 31</a:t>
+              <a:t>(31 – RMS Volts L1-L2) (31 – RMS Volts L1-L2)</a:t>
+            </a:r>
+          </a:p>
+          <a:p>
+            <a:pPr marL="342900" indent="-342900">
+              <a:buFontTx/>
+              <a:buChar char="-"/>
+            </a:pPr>
+            <a:r>
+              <a:rPr lang="en-US" sz="1600" dirty="0"/>
+              <a:t>(00011111) (00011111)</a:t>
+            </a:r>
+          </a:p>
+          <a:p>
+            <a:pPr marL="342900" indent="-342900">
+              <a:buFontTx/>
+              <a:buChar char="-"/>
+            </a:pPr>
+            <a:r>
+              <a:rPr lang="en-US" sz="1600" dirty="0"/>
+              <a:t>2560</a:t>
             </a:r>
           </a:p>
           <a:p>
@@ -4715,7 +4887,17 @@
             </a:pPr>
             <a:r>
               <a:rPr lang="en-US" sz="1600" dirty="0"/>
-              <a:t>00011111 00011111</a:t>
+              <a:t>(31 – RMS Volts L1-L2) (31 – RMS Volts L1-L2)</a:t>
+            </a:r>
+          </a:p>
+          <a:p>
+            <a:pPr marL="342900" indent="-342900">
+              <a:buFontTx/>
+              <a:buChar char="-"/>
+            </a:pPr>
+            <a:r>
+              <a:rPr lang="en-US" sz="1600" dirty="0"/>
+              <a:t>(00011111) (00011111)</a:t>
             </a:r>
           </a:p>
           <a:p>
@@ -4938,7 +5120,7 @@
         </p:nvSpPr>
         <p:spPr>
           <a:xfrm>
-            <a:off x="5758654" y="1470250"/>
+            <a:off x="4359773" y="1011749"/>
             <a:ext cx="2658666" cy="4834501"/>
           </a:xfrm>
           <a:prstGeom prst="rect">
@@ -4946,7 +5128,7 @@
           </a:prstGeom>
         </p:spPr>
         <p:txBody>
-          <a:bodyPr vert="horz" lIns="91440" tIns="45720" rIns="91440" bIns="45720" rtlCol="0" anchor="ctr">
+          <a:bodyPr vert="horz" lIns="91440" tIns="45720" rIns="91440" bIns="45720" rtlCol="0" anchor="t">
             <a:normAutofit/>
           </a:bodyPr>
           <a:lstStyle>
@@ -5069,7 +5251,7 @@
             </a:pPr>
             <a:r>
               <a:rPr lang="en-US" sz="1600" dirty="0"/>
-              <a:t>(MET_ID) (MET_ID)</a:t>
+              <a:t>(MET_ID1) (MET_ID2)</a:t>
             </a:r>
           </a:p>
           <a:p>
@@ -5116,7 +5298,7 @@
             </a:pPr>
             <a:r>
               <a:rPr lang="en-US" sz="1600" dirty="0"/>
-              <a:t>(MET_ID) (MET_ID)</a:t>
+              <a:t>(MET_ID3) (MET_ID4)</a:t>
             </a:r>
           </a:p>
           <a:p>
@@ -5188,7 +5370,7 @@
         </p:nvSpPr>
         <p:spPr>
           <a:xfrm>
-            <a:off x="8081418" y="1470250"/>
+            <a:off x="6770132" y="1011748"/>
             <a:ext cx="3825552" cy="4834501"/>
           </a:xfrm>
           <a:prstGeom prst="rect">
@@ -5196,7 +5378,7 @@
           </a:prstGeom>
         </p:spPr>
         <p:txBody>
-          <a:bodyPr vert="horz" lIns="91440" tIns="45720" rIns="91440" bIns="45720" rtlCol="0" anchor="ctr">
+          <a:bodyPr vert="horz" lIns="91440" tIns="45720" rIns="91440" bIns="45720" rtlCol="0" anchor="t">
             <a:normAutofit/>
           </a:bodyPr>
           <a:lstStyle>
@@ -5225,7 +5407,7 @@
             </a:pPr>
             <a:r>
               <a:rPr lang="en-US" sz="1600" dirty="0"/>
-              <a:t>(Process Value)</a:t>
+              <a:t>(Process Value  - MET_ID1)</a:t>
             </a:r>
           </a:p>
           <a:p>
@@ -5272,7 +5454,7 @@
             </a:pPr>
             <a:r>
               <a:rPr lang="en-US" sz="1600" dirty="0"/>
-              <a:t>(Process Value)</a:t>
+              <a:t>(Process Value  - MET_ID2)</a:t>
             </a:r>
           </a:p>
           <a:p>
@@ -5319,7 +5501,7 @@
             </a:pPr>
             <a:r>
               <a:rPr lang="en-US" sz="1600" dirty="0"/>
-              <a:t>(Process Value)</a:t>
+              <a:t>(Process Value  - MET_ID3)</a:t>
             </a:r>
           </a:p>
           <a:p>
@@ -5366,7 +5548,7 @@
             </a:pPr>
             <a:r>
               <a:rPr lang="en-US" sz="1600" dirty="0"/>
-              <a:t>(Process Value)</a:t>
+              <a:t>(Process Value  - MET_ID4)</a:t>
             </a:r>
           </a:p>
           <a:p>
@@ -5444,7 +5626,7 @@
         </p:blipFill>
         <p:spPr>
           <a:xfrm>
-            <a:off x="3494499" y="3662175"/>
+            <a:off x="10347377" y="1580826"/>
             <a:ext cx="1806630" cy="2459950"/>
           </a:xfrm>
           <a:prstGeom prst="rect">
